--- a/concepts/Kubernetes/Kubernetes.pptx
+++ b/concepts/Kubernetes/Kubernetes.pptx
@@ -206,7 +206,7 @@
           <a:p>
             <a:fld id="{D2837DC0-7638-4E42-9D24-CBDEE7D46DC4}" type="datetimeFigureOut">
               <a:rPr lang="en-US" smtClean="0"/>
-              <a:t>6/22/20</a:t>
+              <a:t>10/26/2020</a:t>
             </a:fld>
             <a:endParaRPr lang="en-US"/>
           </a:p>
@@ -620,7 +620,7 @@
           <a:p>
             <a:fld id="{C42E83D1-6F3E-B34D-8446-A1333DE2FFBF}" type="datetime1">
               <a:rPr lang="en-IN" smtClean="0"/>
-              <a:t>22/06/20</a:t>
+              <a:t>26-10-2020</a:t>
             </a:fld>
             <a:endParaRPr lang="en-US"/>
           </a:p>
@@ -821,7 +821,7 @@
           <a:p>
             <a:fld id="{68255115-541C-094F-ADDE-104C03DCCF56}" type="datetime1">
               <a:rPr lang="en-IN" smtClean="0"/>
-              <a:t>22/06/20</a:t>
+              <a:t>26-10-2020</a:t>
             </a:fld>
             <a:endParaRPr lang="en-US"/>
           </a:p>
@@ -1032,7 +1032,7 @@
           <a:p>
             <a:fld id="{9EE3746D-6870-3D4E-A2F7-CB6C1B7A77B4}" type="datetime1">
               <a:rPr lang="en-IN" smtClean="0"/>
-              <a:t>22/06/20</a:t>
+              <a:t>26-10-2020</a:t>
             </a:fld>
             <a:endParaRPr lang="en-US"/>
           </a:p>
@@ -1233,7 +1233,7 @@
           <a:p>
             <a:fld id="{A0D2EB8B-82F1-264A-86D9-7D869807651E}" type="datetime1">
               <a:rPr lang="en-IN" smtClean="0"/>
-              <a:t>22/06/20</a:t>
+              <a:t>26-10-2020</a:t>
             </a:fld>
             <a:endParaRPr lang="en-US"/>
           </a:p>
@@ -1511,7 +1511,7 @@
           <a:p>
             <a:fld id="{8B7F8187-2BDB-DF4E-B512-8B6FEE152D3F}" type="datetime1">
               <a:rPr lang="en-IN" smtClean="0"/>
-              <a:t>22/06/20</a:t>
+              <a:t>26-10-2020</a:t>
             </a:fld>
             <a:endParaRPr lang="en-US"/>
           </a:p>
@@ -1779,7 +1779,7 @@
           <a:p>
             <a:fld id="{75C54730-484E-304C-A4D5-7B40A1681C09}" type="datetime1">
               <a:rPr lang="en-IN" smtClean="0"/>
-              <a:t>22/06/20</a:t>
+              <a:t>26-10-2020</a:t>
             </a:fld>
             <a:endParaRPr lang="en-US"/>
           </a:p>
@@ -2194,7 +2194,7 @@
           <a:p>
             <a:fld id="{81F5362D-B424-C840-9900-2775ADB4EB60}" type="datetime1">
               <a:rPr lang="en-IN" smtClean="0"/>
-              <a:t>22/06/20</a:t>
+              <a:t>26-10-2020</a:t>
             </a:fld>
             <a:endParaRPr lang="en-US"/>
           </a:p>
@@ -2338,7 +2338,7 @@
           <a:p>
             <a:fld id="{DA8771F8-1C56-5F4E-885B-6607E10A217B}" type="datetime1">
               <a:rPr lang="en-IN" smtClean="0"/>
-              <a:t>22/06/20</a:t>
+              <a:t>26-10-2020</a:t>
             </a:fld>
             <a:endParaRPr lang="en-US"/>
           </a:p>
@@ -2454,7 +2454,7 @@
           <a:p>
             <a:fld id="{84DFF540-3466-7E4B-AA24-3EBBC9B8F9AD}" type="datetime1">
               <a:rPr lang="en-IN" smtClean="0"/>
-              <a:t>22/06/20</a:t>
+              <a:t>26-10-2020</a:t>
             </a:fld>
             <a:endParaRPr lang="en-US"/>
           </a:p>
@@ -2768,7 +2768,7 @@
           <a:p>
             <a:fld id="{54B8E80D-CCE2-0A4C-A032-6FC8351A14BB}" type="datetime1">
               <a:rPr lang="en-IN" smtClean="0"/>
-              <a:t>22/06/20</a:t>
+              <a:t>26-10-2020</a:t>
             </a:fld>
             <a:endParaRPr lang="en-US"/>
           </a:p>
@@ -3059,7 +3059,7 @@
           <a:p>
             <a:fld id="{79024E1B-D4B6-C54F-B94E-7062A78B9F99}" type="datetime1">
               <a:rPr lang="en-IN" smtClean="0"/>
-              <a:t>22/06/20</a:t>
+              <a:t>26-10-2020</a:t>
             </a:fld>
             <a:endParaRPr lang="en-US"/>
           </a:p>
@@ -3303,7 +3303,7 @@
           <a:p>
             <a:fld id="{A81E5987-FA8F-C043-BAEA-EEC147FAF382}" type="datetime1">
               <a:rPr lang="en-IN" smtClean="0"/>
-              <a:t>22/06/20</a:t>
+              <a:t>26-10-2020</a:t>
             </a:fld>
             <a:endParaRPr lang="en-US"/>
           </a:p>
@@ -3901,7 +3901,7 @@
         <p:spPr>
           <a:xfrm>
             <a:off x="801384" y="1529356"/>
-            <a:ext cx="7952198" cy="584775"/>
+            <a:ext cx="10143984" cy="584775"/>
           </a:xfrm>
           <a:prstGeom prst="rect">
             <a:avLst/>
@@ -3926,8 +3926,13 @@
             </a:r>
             <a:r>
               <a:rPr lang="en-US" dirty="0"/>
-              <a:t> – The process of managing the lifecycle of the containers</a:t>
-            </a:r>
+              <a:t> – </a:t>
+            </a:r>
+            <a:r>
+              <a:rPr lang="en-US" sz="2400" dirty="0"/>
+              <a:t>The process of managing the lifecycle of the containers</a:t>
+            </a:r>
+            <a:endParaRPr lang="en-US" dirty="0"/>
           </a:p>
         </p:txBody>
       </p:sp>
@@ -3946,7 +3951,7 @@
         <p:spPr>
           <a:xfrm>
             <a:off x="1520574" y="3738198"/>
-            <a:ext cx="6205591" cy="584775"/>
+            <a:ext cx="7870314" cy="584775"/>
           </a:xfrm>
           <a:prstGeom prst="rect">
             <a:avLst/>
@@ -3971,8 +3976,13 @@
             </a:r>
             <a:r>
               <a:rPr lang="en-US" dirty="0"/>
-              <a:t> – A Linux or Windows box in Kubernetes terminology</a:t>
-            </a:r>
+              <a:t> – </a:t>
+            </a:r>
+            <a:r>
+              <a:rPr lang="en-US" sz="2400" dirty="0"/>
+              <a:t>A Linux or Windows box in Kubernetes terminology</a:t>
+            </a:r>
+            <a:endParaRPr lang="en-US" dirty="0"/>
           </a:p>
         </p:txBody>
       </p:sp>
@@ -3990,8 +4000,8 @@
         </p:nvSpPr>
         <p:spPr>
           <a:xfrm>
-            <a:off x="3714107" y="4964203"/>
-            <a:ext cx="6051479" cy="584775"/>
+            <a:off x="3823835" y="4940380"/>
+            <a:ext cx="6947797" cy="584775"/>
           </a:xfrm>
           <a:prstGeom prst="rect">
             <a:avLst/>
@@ -4016,8 +4026,13 @@
             </a:r>
             <a:r>
               <a:rPr lang="en-US" dirty="0"/>
-              <a:t> – A logical entity which holds multiple containers</a:t>
-            </a:r>
+              <a:t> – </a:t>
+            </a:r>
+            <a:r>
+              <a:rPr lang="en-US" sz="2400" dirty="0"/>
+              <a:t>A logical entity which holds multiple containers</a:t>
+            </a:r>
+            <a:endParaRPr lang="en-US" dirty="0"/>
           </a:p>
         </p:txBody>
       </p:sp>
@@ -4035,8 +4050,8 @@
         </p:nvSpPr>
         <p:spPr>
           <a:xfrm>
-            <a:off x="5445304" y="2502480"/>
-            <a:ext cx="5871680" cy="584775"/>
+            <a:off x="3714107" y="2535027"/>
+            <a:ext cx="6542173" cy="584775"/>
           </a:xfrm>
           <a:prstGeom prst="rect">
             <a:avLst/>
@@ -4061,8 +4076,13 @@
             </a:r>
             <a:r>
               <a:rPr lang="en-US" dirty="0"/>
-              <a:t>– A collection of nodes</a:t>
-            </a:r>
+              <a:t>– </a:t>
+            </a:r>
+            <a:r>
+              <a:rPr lang="en-US" sz="2400" dirty="0"/>
+              <a:t>A collection of nodes</a:t>
+            </a:r>
+            <a:endParaRPr lang="en-US" dirty="0"/>
           </a:p>
         </p:txBody>
       </p:sp>
@@ -4664,8 +4684,8 @@
         </p:nvSpPr>
         <p:spPr>
           <a:xfrm>
-            <a:off x="5749248" y="4146990"/>
-            <a:ext cx="3339101" cy="1446550"/>
+            <a:off x="4739545" y="4274750"/>
+            <a:ext cx="3684245" cy="1446550"/>
           </a:xfrm>
           <a:prstGeom prst="rect">
             <a:avLst/>
@@ -4686,7 +4706,7 @@
                   </a:schemeClr>
                 </a:solidFill>
               </a:rPr>
-              <a:t>Kill the container’s</a:t>
+              <a:t>How to kill the container’s</a:t>
             </a:r>
           </a:p>
         </p:txBody>
@@ -4705,8 +4725,8 @@
         </p:nvSpPr>
         <p:spPr>
           <a:xfrm>
-            <a:off x="8688512" y="2125795"/>
-            <a:ext cx="3339101" cy="2123658"/>
+            <a:off x="8624504" y="1240586"/>
+            <a:ext cx="3339101" cy="2800767"/>
           </a:xfrm>
           <a:prstGeom prst="rect">
             <a:avLst/>
@@ -4727,7 +4747,7 @@
                   </a:schemeClr>
                 </a:solidFill>
               </a:rPr>
-              <a:t>Expose the containers to the internet</a:t>
+              <a:t>How to expose the containers to the internet</a:t>
             </a:r>
           </a:p>
         </p:txBody>
@@ -4763,6 +4783,47 @@
             <a:r>
               <a:rPr lang="en-US" dirty="0"/>
               <a:t>But some of the questions that pop up are …….</a:t>
+            </a:r>
+          </a:p>
+        </p:txBody>
+      </p:sp>
+      <p:sp>
+        <p:nvSpPr>
+          <p:cNvPr id="9" name="TextBox 8">
+            <a:extLst>
+              <a:ext uri="{FF2B5EF4-FFF2-40B4-BE49-F238E27FC236}">
+                <a16:creationId xmlns:a16="http://schemas.microsoft.com/office/drawing/2014/main" id="{DCEB6A33-4829-4A0B-809D-A32D4EE6E31A}"/>
+              </a:ext>
+            </a:extLst>
+          </p:cNvPr>
+          <p:cNvSpPr txBox="1"/>
+          <p:nvPr/>
+        </p:nvSpPr>
+        <p:spPr>
+          <a:xfrm>
+            <a:off x="8688511" y="4564574"/>
+            <a:ext cx="3339101" cy="1754326"/>
+          </a:xfrm>
+          <a:prstGeom prst="rect">
+            <a:avLst/>
+          </a:prstGeom>
+          <a:noFill/>
+        </p:spPr>
+        <p:txBody>
+          <a:bodyPr wrap="square" rtlCol="0">
+            <a:spAutoFit/>
+          </a:bodyPr>
+          <a:lstStyle/>
+          <a:p>
+            <a:r>
+              <a:rPr lang="en-US" sz="3600" i="1" dirty="0">
+                <a:solidFill>
+                  <a:schemeClr val="accent4">
+                    <a:lumMod val="75000"/>
+                  </a:schemeClr>
+                </a:solidFill>
+              </a:rPr>
+              <a:t>How to increase the numbers of containers?</a:t>
             </a:r>
           </a:p>
         </p:txBody>
@@ -5816,8 +5877,8 @@
         </p:nvSpPr>
         <p:spPr>
           <a:xfrm>
-            <a:off x="1345915" y="1315092"/>
-            <a:ext cx="9021124" cy="369332"/>
+            <a:off x="58781" y="1248573"/>
+            <a:ext cx="11944937" cy="461665"/>
           </a:xfrm>
           <a:prstGeom prst="rect">
             <a:avLst/>
@@ -5831,7 +5892,7 @@
           <a:lstStyle/>
           <a:p>
             <a:r>
-              <a:rPr lang="en-US" dirty="0"/>
+              <a:rPr lang="en-US" sz="2400" dirty="0"/>
               <a:t>Before one can tell kubernetes what needs to be done there must exist physical infrastructure.</a:t>
             </a:r>
           </a:p>
